--- a/CastReporting.Reporting.Core/Templates/zh-Hans/Portfolio/Portfolio component library/Portfolio Generic Table Definition.pptx
+++ b/CastReporting.Reporting.Core/Templates/zh-Hans/Portfolio/Portfolio component library/Portfolio Generic Table Definition.pptx
@@ -219,7 +219,7 @@
           <a:p>
             <a:fld id="{BE7CF963-E58D-FC4D-BA9E-60A980752DC6}" type="datetimeFigureOut">
               <a:rPr lang="en-US" smtClean="0"/>
-              <a:t>10/26/2021</a:t>
+              <a:t>2/20/2025</a:t>
             </a:fld>
             <a:endParaRPr lang="en-US"/>
           </a:p>
@@ -792,7 +792,7 @@
           <a:p>
             <a:fld id="{B590C078-9131-4E49-8A0D-400FEE8377B5}" type="datetimeFigureOut">
               <a:rPr lang="en-US" smtClean="0"/>
-              <a:t>10/26/2021</a:t>
+              <a:t>2/20/2025</a:t>
             </a:fld>
             <a:endParaRPr lang="en-US"/>
           </a:p>
@@ -3100,36 +3100,6 @@
           </a:p>
         </p:txBody>
       </p:sp>
-      <p:pic>
-        <p:nvPicPr>
-          <p:cNvPr id="11" name="Picture 10"/>
-          <p:cNvPicPr>
-            <a:picLocks noChangeAspect="1"/>
-          </p:cNvPicPr>
-          <p:nvPr userDrawn="1"/>
-        </p:nvPicPr>
-        <p:blipFill>
-          <a:blip r:embed="rId2">
-            <a:extLst>
-              <a:ext uri="{28A0092B-C50C-407E-A947-70E740481C1C}">
-                <a14:useLocalDpi xmlns:a14="http://schemas.microsoft.com/office/drawing/2010/main" val="0"/>
-              </a:ext>
-            </a:extLst>
-          </a:blip>
-          <a:stretch>
-            <a:fillRect/>
-          </a:stretch>
-        </p:blipFill>
-        <p:spPr>
-          <a:xfrm>
-            <a:off x="9578792" y="333532"/>
-            <a:ext cx="2003608" cy="247337"/>
-          </a:xfrm>
-          <a:prstGeom prst="rect">
-            <a:avLst/>
-          </a:prstGeom>
-        </p:spPr>
-      </p:pic>
       <p:sp>
         <p:nvSpPr>
           <p:cNvPr id="9" name="Text Placeholder 7"/>
@@ -3203,6 +3173,36 @@
           </a:p>
         </p:txBody>
       </p:sp>
+      <p:pic>
+        <p:nvPicPr>
+          <p:cNvPr id="3" name="Picture 2">
+            <a:extLst>
+              <a:ext uri="{FF2B5EF4-FFF2-40B4-BE49-F238E27FC236}">
+                <a16:creationId xmlns:a16="http://schemas.microsoft.com/office/drawing/2014/main" id="{A4CD3E3E-BD57-8F9A-2F81-C032F8D23A26}"/>
+              </a:ext>
+            </a:extLst>
+          </p:cNvPr>
+          <p:cNvPicPr>
+            <a:picLocks noChangeAspect="1"/>
+          </p:cNvPicPr>
+          <p:nvPr userDrawn="1"/>
+        </p:nvPicPr>
+        <p:blipFill>
+          <a:blip r:embed="rId2"/>
+          <a:stretch>
+            <a:fillRect/>
+          </a:stretch>
+        </p:blipFill>
+        <p:spPr>
+          <a:xfrm>
+            <a:off x="10438868" y="275190"/>
+            <a:ext cx="1079365" cy="380952"/>
+          </a:xfrm>
+          <a:prstGeom prst="rect">
+            <a:avLst/>
+          </a:prstGeom>
+        </p:spPr>
+      </p:pic>
     </p:spTree>
     <p:extLst>
       <p:ext uri="{BB962C8B-B14F-4D97-AF65-F5344CB8AC3E}">
@@ -3340,36 +3340,6 @@
           </a:p>
         </p:txBody>
       </p:sp>
-      <p:pic>
-        <p:nvPicPr>
-          <p:cNvPr id="11" name="Picture 10"/>
-          <p:cNvPicPr>
-            <a:picLocks noChangeAspect="1"/>
-          </p:cNvPicPr>
-          <p:nvPr userDrawn="1"/>
-        </p:nvPicPr>
-        <p:blipFill>
-          <a:blip r:embed="rId2">
-            <a:extLst>
-              <a:ext uri="{28A0092B-C50C-407E-A947-70E740481C1C}">
-                <a14:useLocalDpi xmlns:a14="http://schemas.microsoft.com/office/drawing/2010/main" val="0"/>
-              </a:ext>
-            </a:extLst>
-          </a:blip>
-          <a:stretch>
-            <a:fillRect/>
-          </a:stretch>
-        </p:blipFill>
-        <p:spPr>
-          <a:xfrm>
-            <a:off x="9578792" y="333532"/>
-            <a:ext cx="2003608" cy="247337"/>
-          </a:xfrm>
-          <a:prstGeom prst="rect">
-            <a:avLst/>
-          </a:prstGeom>
-        </p:spPr>
-      </p:pic>
       <p:sp>
         <p:nvSpPr>
           <p:cNvPr id="10" name="TextBox 9"/>
@@ -3550,6 +3520,36 @@
           </a:p>
         </p:txBody>
       </p:sp>
+      <p:pic>
+        <p:nvPicPr>
+          <p:cNvPr id="2" name="Picture 1">
+            <a:extLst>
+              <a:ext uri="{FF2B5EF4-FFF2-40B4-BE49-F238E27FC236}">
+                <a16:creationId xmlns:a16="http://schemas.microsoft.com/office/drawing/2014/main" id="{C667884A-F501-1CDA-5BBB-6A09647B4C1A}"/>
+              </a:ext>
+            </a:extLst>
+          </p:cNvPr>
+          <p:cNvPicPr>
+            <a:picLocks noChangeAspect="1"/>
+          </p:cNvPicPr>
+          <p:nvPr userDrawn="1"/>
+        </p:nvPicPr>
+        <p:blipFill>
+          <a:blip r:embed="rId2"/>
+          <a:stretch>
+            <a:fillRect/>
+          </a:stretch>
+        </p:blipFill>
+        <p:spPr>
+          <a:xfrm>
+            <a:off x="10438868" y="275190"/>
+            <a:ext cx="1079365" cy="380952"/>
+          </a:xfrm>
+          <a:prstGeom prst="rect">
+            <a:avLst/>
+          </a:prstGeom>
+        </p:spPr>
+      </p:pic>
     </p:spTree>
     <p:extLst>
       <p:ext uri="{BB962C8B-B14F-4D97-AF65-F5344CB8AC3E}">
@@ -3687,36 +3687,6 @@
           </a:p>
         </p:txBody>
       </p:sp>
-      <p:pic>
-        <p:nvPicPr>
-          <p:cNvPr id="11" name="Picture 10"/>
-          <p:cNvPicPr>
-            <a:picLocks noChangeAspect="1"/>
-          </p:cNvPicPr>
-          <p:nvPr userDrawn="1"/>
-        </p:nvPicPr>
-        <p:blipFill>
-          <a:blip r:embed="rId2">
-            <a:extLst>
-              <a:ext uri="{28A0092B-C50C-407E-A947-70E740481C1C}">
-                <a14:useLocalDpi xmlns:a14="http://schemas.microsoft.com/office/drawing/2010/main" val="0"/>
-              </a:ext>
-            </a:extLst>
-          </a:blip>
-          <a:stretch>
-            <a:fillRect/>
-          </a:stretch>
-        </p:blipFill>
-        <p:spPr>
-          <a:xfrm>
-            <a:off x="9578792" y="333532"/>
-            <a:ext cx="2003608" cy="247337"/>
-          </a:xfrm>
-          <a:prstGeom prst="rect">
-            <a:avLst/>
-          </a:prstGeom>
-        </p:spPr>
-      </p:pic>
       <p:sp>
         <p:nvSpPr>
           <p:cNvPr id="10" name="TextBox 9"/>
@@ -3896,6 +3866,36 @@
           </a:p>
         </p:txBody>
       </p:sp>
+      <p:pic>
+        <p:nvPicPr>
+          <p:cNvPr id="2" name="Picture 1">
+            <a:extLst>
+              <a:ext uri="{FF2B5EF4-FFF2-40B4-BE49-F238E27FC236}">
+                <a16:creationId xmlns:a16="http://schemas.microsoft.com/office/drawing/2014/main" id="{1F673C4C-9FCE-B611-B121-C5600A82C544}"/>
+              </a:ext>
+            </a:extLst>
+          </p:cNvPr>
+          <p:cNvPicPr>
+            <a:picLocks noChangeAspect="1"/>
+          </p:cNvPicPr>
+          <p:nvPr userDrawn="1"/>
+        </p:nvPicPr>
+        <p:blipFill>
+          <a:blip r:embed="rId2"/>
+          <a:stretch>
+            <a:fillRect/>
+          </a:stretch>
+        </p:blipFill>
+        <p:spPr>
+          <a:xfrm>
+            <a:off x="10438868" y="275190"/>
+            <a:ext cx="1079365" cy="380952"/>
+          </a:xfrm>
+          <a:prstGeom prst="rect">
+            <a:avLst/>
+          </a:prstGeom>
+        </p:spPr>
+      </p:pic>
     </p:spTree>
     <p:extLst>
       <p:ext uri="{BB962C8B-B14F-4D97-AF65-F5344CB8AC3E}">
@@ -4033,36 +4033,6 @@
           </a:p>
         </p:txBody>
       </p:sp>
-      <p:pic>
-        <p:nvPicPr>
-          <p:cNvPr id="11" name="Picture 10"/>
-          <p:cNvPicPr>
-            <a:picLocks noChangeAspect="1"/>
-          </p:cNvPicPr>
-          <p:nvPr userDrawn="1"/>
-        </p:nvPicPr>
-        <p:blipFill>
-          <a:blip r:embed="rId2">
-            <a:extLst>
-              <a:ext uri="{28A0092B-C50C-407E-A947-70E740481C1C}">
-                <a14:useLocalDpi xmlns:a14="http://schemas.microsoft.com/office/drawing/2010/main" val="0"/>
-              </a:ext>
-            </a:extLst>
-          </a:blip>
-          <a:stretch>
-            <a:fillRect/>
-          </a:stretch>
-        </p:blipFill>
-        <p:spPr>
-          <a:xfrm>
-            <a:off x="9578792" y="333532"/>
-            <a:ext cx="2003608" cy="247337"/>
-          </a:xfrm>
-          <a:prstGeom prst="rect">
-            <a:avLst/>
-          </a:prstGeom>
-        </p:spPr>
-      </p:pic>
       <p:sp>
         <p:nvSpPr>
           <p:cNvPr id="10" name="TextBox 9"/>
@@ -4242,6 +4212,36 @@
           </a:p>
         </p:txBody>
       </p:sp>
+      <p:pic>
+        <p:nvPicPr>
+          <p:cNvPr id="2" name="Picture 1">
+            <a:extLst>
+              <a:ext uri="{FF2B5EF4-FFF2-40B4-BE49-F238E27FC236}">
+                <a16:creationId xmlns:a16="http://schemas.microsoft.com/office/drawing/2014/main" id="{37974C5C-4178-B2CB-35FD-6E6FE0F09364}"/>
+              </a:ext>
+            </a:extLst>
+          </p:cNvPr>
+          <p:cNvPicPr>
+            <a:picLocks noChangeAspect="1"/>
+          </p:cNvPicPr>
+          <p:nvPr userDrawn="1"/>
+        </p:nvPicPr>
+        <p:blipFill>
+          <a:blip r:embed="rId2"/>
+          <a:stretch>
+            <a:fillRect/>
+          </a:stretch>
+        </p:blipFill>
+        <p:spPr>
+          <a:xfrm>
+            <a:off x="10438868" y="275190"/>
+            <a:ext cx="1079365" cy="380952"/>
+          </a:xfrm>
+          <a:prstGeom prst="rect">
+            <a:avLst/>
+          </a:prstGeom>
+        </p:spPr>
+      </p:pic>
     </p:spTree>
     <p:extLst>
       <p:ext uri="{BB962C8B-B14F-4D97-AF65-F5344CB8AC3E}">
@@ -4377,7 +4377,7 @@
           <a:p>
             <a:fld id="{B590C078-9131-4E49-8A0D-400FEE8377B5}" type="datetimeFigureOut">
               <a:rPr lang="en-US" smtClean="0"/>
-              <a:t>10/26/2021</a:t>
+              <a:t>2/20/2025</a:t>
             </a:fld>
             <a:endParaRPr lang="en-US"/>
           </a:p>
@@ -4553,36 +4553,6 @@
           </a:p>
         </p:txBody>
       </p:sp>
-      <p:pic>
-        <p:nvPicPr>
-          <p:cNvPr id="11" name="Picture 10"/>
-          <p:cNvPicPr>
-            <a:picLocks noChangeAspect="1"/>
-          </p:cNvPicPr>
-          <p:nvPr userDrawn="1"/>
-        </p:nvPicPr>
-        <p:blipFill>
-          <a:blip r:embed="rId2">
-            <a:extLst>
-              <a:ext uri="{28A0092B-C50C-407E-A947-70E740481C1C}">
-                <a14:useLocalDpi xmlns:a14="http://schemas.microsoft.com/office/drawing/2010/main" val="0"/>
-              </a:ext>
-            </a:extLst>
-          </a:blip>
-          <a:stretch>
-            <a:fillRect/>
-          </a:stretch>
-        </p:blipFill>
-        <p:spPr>
-          <a:xfrm>
-            <a:off x="9578792" y="333532"/>
-            <a:ext cx="2003608" cy="247337"/>
-          </a:xfrm>
-          <a:prstGeom prst="rect">
-            <a:avLst/>
-          </a:prstGeom>
-        </p:spPr>
-      </p:pic>
       <p:sp>
         <p:nvSpPr>
           <p:cNvPr id="10" name="TextBox 9"/>
@@ -4762,6 +4732,36 @@
           </a:p>
         </p:txBody>
       </p:sp>
+      <p:pic>
+        <p:nvPicPr>
+          <p:cNvPr id="2" name="Picture 1">
+            <a:extLst>
+              <a:ext uri="{FF2B5EF4-FFF2-40B4-BE49-F238E27FC236}">
+                <a16:creationId xmlns:a16="http://schemas.microsoft.com/office/drawing/2014/main" id="{F1D6DD74-A63E-83EB-89C4-7DD0BA18FA97}"/>
+              </a:ext>
+            </a:extLst>
+          </p:cNvPr>
+          <p:cNvPicPr>
+            <a:picLocks noChangeAspect="1"/>
+          </p:cNvPicPr>
+          <p:nvPr userDrawn="1"/>
+        </p:nvPicPr>
+        <p:blipFill>
+          <a:blip r:embed="rId2"/>
+          <a:stretch>
+            <a:fillRect/>
+          </a:stretch>
+        </p:blipFill>
+        <p:spPr>
+          <a:xfrm>
+            <a:off x="10438868" y="275190"/>
+            <a:ext cx="1079365" cy="380952"/>
+          </a:xfrm>
+          <a:prstGeom prst="rect">
+            <a:avLst/>
+          </a:prstGeom>
+        </p:spPr>
+      </p:pic>
     </p:spTree>
     <p:extLst>
       <p:ext uri="{BB962C8B-B14F-4D97-AF65-F5344CB8AC3E}">
@@ -4902,36 +4902,6 @@
           </a:p>
         </p:txBody>
       </p:sp>
-      <p:pic>
-        <p:nvPicPr>
-          <p:cNvPr id="11" name="Picture 10"/>
-          <p:cNvPicPr>
-            <a:picLocks noChangeAspect="1"/>
-          </p:cNvPicPr>
-          <p:nvPr userDrawn="1"/>
-        </p:nvPicPr>
-        <p:blipFill>
-          <a:blip r:embed="rId2">
-            <a:extLst>
-              <a:ext uri="{28A0092B-C50C-407E-A947-70E740481C1C}">
-                <a14:useLocalDpi xmlns:a14="http://schemas.microsoft.com/office/drawing/2010/main" val="0"/>
-              </a:ext>
-            </a:extLst>
-          </a:blip>
-          <a:stretch>
-            <a:fillRect/>
-          </a:stretch>
-        </p:blipFill>
-        <p:spPr>
-          <a:xfrm>
-            <a:off x="9578792" y="333532"/>
-            <a:ext cx="2003608" cy="247337"/>
-          </a:xfrm>
-          <a:prstGeom prst="rect">
-            <a:avLst/>
-          </a:prstGeom>
-        </p:spPr>
-      </p:pic>
       <p:sp>
         <p:nvSpPr>
           <p:cNvPr id="10" name="TextBox 9"/>
@@ -5111,6 +5081,36 @@
           </a:p>
         </p:txBody>
       </p:sp>
+      <p:pic>
+        <p:nvPicPr>
+          <p:cNvPr id="2" name="Picture 1">
+            <a:extLst>
+              <a:ext uri="{FF2B5EF4-FFF2-40B4-BE49-F238E27FC236}">
+                <a16:creationId xmlns:a16="http://schemas.microsoft.com/office/drawing/2014/main" id="{1815FAA3-6482-2CDE-2504-348AF85F2958}"/>
+              </a:ext>
+            </a:extLst>
+          </p:cNvPr>
+          <p:cNvPicPr>
+            <a:picLocks noChangeAspect="1"/>
+          </p:cNvPicPr>
+          <p:nvPr userDrawn="1"/>
+        </p:nvPicPr>
+        <p:blipFill>
+          <a:blip r:embed="rId2"/>
+          <a:stretch>
+            <a:fillRect/>
+          </a:stretch>
+        </p:blipFill>
+        <p:spPr>
+          <a:xfrm>
+            <a:off x="10438868" y="275190"/>
+            <a:ext cx="1079365" cy="380952"/>
+          </a:xfrm>
+          <a:prstGeom prst="rect">
+            <a:avLst/>
+          </a:prstGeom>
+        </p:spPr>
+      </p:pic>
     </p:spTree>
     <p:extLst>
       <p:ext uri="{BB962C8B-B14F-4D97-AF65-F5344CB8AC3E}">
@@ -5248,36 +5248,6 @@
           </a:p>
         </p:txBody>
       </p:sp>
-      <p:pic>
-        <p:nvPicPr>
-          <p:cNvPr id="11" name="Picture 10"/>
-          <p:cNvPicPr>
-            <a:picLocks noChangeAspect="1"/>
-          </p:cNvPicPr>
-          <p:nvPr userDrawn="1"/>
-        </p:nvPicPr>
-        <p:blipFill>
-          <a:blip r:embed="rId2">
-            <a:extLst>
-              <a:ext uri="{28A0092B-C50C-407E-A947-70E740481C1C}">
-                <a14:useLocalDpi xmlns:a14="http://schemas.microsoft.com/office/drawing/2010/main" val="0"/>
-              </a:ext>
-            </a:extLst>
-          </a:blip>
-          <a:stretch>
-            <a:fillRect/>
-          </a:stretch>
-        </p:blipFill>
-        <p:spPr>
-          <a:xfrm>
-            <a:off x="9578792" y="333532"/>
-            <a:ext cx="2003608" cy="247337"/>
-          </a:xfrm>
-          <a:prstGeom prst="rect">
-            <a:avLst/>
-          </a:prstGeom>
-        </p:spPr>
-      </p:pic>
       <p:sp>
         <p:nvSpPr>
           <p:cNvPr id="10" name="TextBox 9"/>
@@ -5457,6 +5427,36 @@
           </a:p>
         </p:txBody>
       </p:sp>
+      <p:pic>
+        <p:nvPicPr>
+          <p:cNvPr id="2" name="Picture 1">
+            <a:extLst>
+              <a:ext uri="{FF2B5EF4-FFF2-40B4-BE49-F238E27FC236}">
+                <a16:creationId xmlns:a16="http://schemas.microsoft.com/office/drawing/2014/main" id="{28E66838-A5CD-92C3-3CA3-96FB2BA0EAAC}"/>
+              </a:ext>
+            </a:extLst>
+          </p:cNvPr>
+          <p:cNvPicPr>
+            <a:picLocks noChangeAspect="1"/>
+          </p:cNvPicPr>
+          <p:nvPr userDrawn="1"/>
+        </p:nvPicPr>
+        <p:blipFill>
+          <a:blip r:embed="rId2"/>
+          <a:stretch>
+            <a:fillRect/>
+          </a:stretch>
+        </p:blipFill>
+        <p:spPr>
+          <a:xfrm>
+            <a:off x="10438868" y="275190"/>
+            <a:ext cx="1079365" cy="380952"/>
+          </a:xfrm>
+          <a:prstGeom prst="rect">
+            <a:avLst/>
+          </a:prstGeom>
+        </p:spPr>
+      </p:pic>
     </p:spTree>
     <p:extLst>
       <p:ext uri="{BB962C8B-B14F-4D97-AF65-F5344CB8AC3E}">
@@ -5594,36 +5594,6 @@
           </a:p>
         </p:txBody>
       </p:sp>
-      <p:pic>
-        <p:nvPicPr>
-          <p:cNvPr id="37" name="Picture 36"/>
-          <p:cNvPicPr>
-            <a:picLocks noChangeAspect="1"/>
-          </p:cNvPicPr>
-          <p:nvPr userDrawn="1"/>
-        </p:nvPicPr>
-        <p:blipFill>
-          <a:blip r:embed="rId2">
-            <a:extLst>
-              <a:ext uri="{28A0092B-C50C-407E-A947-70E740481C1C}">
-                <a14:useLocalDpi xmlns:a14="http://schemas.microsoft.com/office/drawing/2010/main" val="0"/>
-              </a:ext>
-            </a:extLst>
-          </a:blip>
-          <a:stretch>
-            <a:fillRect/>
-          </a:stretch>
-        </p:blipFill>
-        <p:spPr>
-          <a:xfrm>
-            <a:off x="9578792" y="333532"/>
-            <a:ext cx="2003608" cy="247337"/>
-          </a:xfrm>
-          <a:prstGeom prst="rect">
-            <a:avLst/>
-          </a:prstGeom>
-        </p:spPr>
-      </p:pic>
       <p:sp>
         <p:nvSpPr>
           <p:cNvPr id="11" name="TextBox 10"/>
@@ -5849,6 +5819,36 @@
           </a:p>
         </p:txBody>
       </p:sp>
+      <p:pic>
+        <p:nvPicPr>
+          <p:cNvPr id="2" name="Picture 1">
+            <a:extLst>
+              <a:ext uri="{FF2B5EF4-FFF2-40B4-BE49-F238E27FC236}">
+                <a16:creationId xmlns:a16="http://schemas.microsoft.com/office/drawing/2014/main" id="{6846EAE1-68C3-EB3E-C050-56605666EB47}"/>
+              </a:ext>
+            </a:extLst>
+          </p:cNvPr>
+          <p:cNvPicPr>
+            <a:picLocks noChangeAspect="1"/>
+          </p:cNvPicPr>
+          <p:nvPr userDrawn="1"/>
+        </p:nvPicPr>
+        <p:blipFill>
+          <a:blip r:embed="rId2"/>
+          <a:stretch>
+            <a:fillRect/>
+          </a:stretch>
+        </p:blipFill>
+        <p:spPr>
+          <a:xfrm>
+            <a:off x="10438868" y="275190"/>
+            <a:ext cx="1079365" cy="380952"/>
+          </a:xfrm>
+          <a:prstGeom prst="rect">
+            <a:avLst/>
+          </a:prstGeom>
+        </p:spPr>
+      </p:pic>
     </p:spTree>
     <p:extLst>
       <p:ext uri="{BB962C8B-B14F-4D97-AF65-F5344CB8AC3E}">
@@ -5986,36 +5986,6 @@
           </a:p>
         </p:txBody>
       </p:sp>
-      <p:pic>
-        <p:nvPicPr>
-          <p:cNvPr id="37" name="Picture 36"/>
-          <p:cNvPicPr>
-            <a:picLocks noChangeAspect="1"/>
-          </p:cNvPicPr>
-          <p:nvPr userDrawn="1"/>
-        </p:nvPicPr>
-        <p:blipFill>
-          <a:blip r:embed="rId2">
-            <a:extLst>
-              <a:ext uri="{28A0092B-C50C-407E-A947-70E740481C1C}">
-                <a14:useLocalDpi xmlns:a14="http://schemas.microsoft.com/office/drawing/2010/main" val="0"/>
-              </a:ext>
-            </a:extLst>
-          </a:blip>
-          <a:stretch>
-            <a:fillRect/>
-          </a:stretch>
-        </p:blipFill>
-        <p:spPr>
-          <a:xfrm>
-            <a:off x="9578792" y="333532"/>
-            <a:ext cx="2003608" cy="247337"/>
-          </a:xfrm>
-          <a:prstGeom prst="rect">
-            <a:avLst/>
-          </a:prstGeom>
-        </p:spPr>
-      </p:pic>
       <p:sp>
         <p:nvSpPr>
           <p:cNvPr id="11" name="TextBox 10"/>
@@ -6241,6 +6211,36 @@
           </a:p>
         </p:txBody>
       </p:sp>
+      <p:pic>
+        <p:nvPicPr>
+          <p:cNvPr id="2" name="Picture 1">
+            <a:extLst>
+              <a:ext uri="{FF2B5EF4-FFF2-40B4-BE49-F238E27FC236}">
+                <a16:creationId xmlns:a16="http://schemas.microsoft.com/office/drawing/2014/main" id="{FEF8363C-BFC6-FC54-15B5-D746DD09AAB6}"/>
+              </a:ext>
+            </a:extLst>
+          </p:cNvPr>
+          <p:cNvPicPr>
+            <a:picLocks noChangeAspect="1"/>
+          </p:cNvPicPr>
+          <p:nvPr userDrawn="1"/>
+        </p:nvPicPr>
+        <p:blipFill>
+          <a:blip r:embed="rId2"/>
+          <a:stretch>
+            <a:fillRect/>
+          </a:stretch>
+        </p:blipFill>
+        <p:spPr>
+          <a:xfrm>
+            <a:off x="10438868" y="275190"/>
+            <a:ext cx="1079365" cy="380952"/>
+          </a:xfrm>
+          <a:prstGeom prst="rect">
+            <a:avLst/>
+          </a:prstGeom>
+        </p:spPr>
+      </p:pic>
     </p:spTree>
     <p:extLst>
       <p:ext uri="{BB962C8B-B14F-4D97-AF65-F5344CB8AC3E}">
@@ -6378,36 +6378,6 @@
           </a:p>
         </p:txBody>
       </p:sp>
-      <p:pic>
-        <p:nvPicPr>
-          <p:cNvPr id="25" name="Picture 24"/>
-          <p:cNvPicPr>
-            <a:picLocks noChangeAspect="1"/>
-          </p:cNvPicPr>
-          <p:nvPr userDrawn="1"/>
-        </p:nvPicPr>
-        <p:blipFill>
-          <a:blip r:embed="rId2">
-            <a:extLst>
-              <a:ext uri="{28A0092B-C50C-407E-A947-70E740481C1C}">
-                <a14:useLocalDpi xmlns:a14="http://schemas.microsoft.com/office/drawing/2010/main" val="0"/>
-              </a:ext>
-            </a:extLst>
-          </a:blip>
-          <a:stretch>
-            <a:fillRect/>
-          </a:stretch>
-        </p:blipFill>
-        <p:spPr>
-          <a:xfrm>
-            <a:off x="9578792" y="333532"/>
-            <a:ext cx="2003608" cy="247337"/>
-          </a:xfrm>
-          <a:prstGeom prst="rect">
-            <a:avLst/>
-          </a:prstGeom>
-        </p:spPr>
-      </p:pic>
       <p:sp>
         <p:nvSpPr>
           <p:cNvPr id="11" name="TextBox 10"/>
@@ -6633,6 +6603,36 @@
           </a:p>
         </p:txBody>
       </p:sp>
+      <p:pic>
+        <p:nvPicPr>
+          <p:cNvPr id="2" name="Picture 1">
+            <a:extLst>
+              <a:ext uri="{FF2B5EF4-FFF2-40B4-BE49-F238E27FC236}">
+                <a16:creationId xmlns:a16="http://schemas.microsoft.com/office/drawing/2014/main" id="{9F72CC9A-7BDD-236C-C028-BA96D18BD66B}"/>
+              </a:ext>
+            </a:extLst>
+          </p:cNvPr>
+          <p:cNvPicPr>
+            <a:picLocks noChangeAspect="1"/>
+          </p:cNvPicPr>
+          <p:nvPr userDrawn="1"/>
+        </p:nvPicPr>
+        <p:blipFill>
+          <a:blip r:embed="rId2"/>
+          <a:stretch>
+            <a:fillRect/>
+          </a:stretch>
+        </p:blipFill>
+        <p:spPr>
+          <a:xfrm>
+            <a:off x="10438868" y="275190"/>
+            <a:ext cx="1079365" cy="380952"/>
+          </a:xfrm>
+          <a:prstGeom prst="rect">
+            <a:avLst/>
+          </a:prstGeom>
+        </p:spPr>
+      </p:pic>
     </p:spTree>
     <p:extLst>
       <p:ext uri="{BB962C8B-B14F-4D97-AF65-F5344CB8AC3E}">
@@ -6770,36 +6770,6 @@
           </a:p>
         </p:txBody>
       </p:sp>
-      <p:pic>
-        <p:nvPicPr>
-          <p:cNvPr id="25" name="Picture 24"/>
-          <p:cNvPicPr>
-            <a:picLocks noChangeAspect="1"/>
-          </p:cNvPicPr>
-          <p:nvPr userDrawn="1"/>
-        </p:nvPicPr>
-        <p:blipFill>
-          <a:blip r:embed="rId2">
-            <a:extLst>
-              <a:ext uri="{28A0092B-C50C-407E-A947-70E740481C1C}">
-                <a14:useLocalDpi xmlns:a14="http://schemas.microsoft.com/office/drawing/2010/main" val="0"/>
-              </a:ext>
-            </a:extLst>
-          </a:blip>
-          <a:stretch>
-            <a:fillRect/>
-          </a:stretch>
-        </p:blipFill>
-        <p:spPr>
-          <a:xfrm>
-            <a:off x="9578792" y="333532"/>
-            <a:ext cx="2003608" cy="247337"/>
-          </a:xfrm>
-          <a:prstGeom prst="rect">
-            <a:avLst/>
-          </a:prstGeom>
-        </p:spPr>
-      </p:pic>
       <p:sp>
         <p:nvSpPr>
           <p:cNvPr id="11" name="TextBox 10"/>
@@ -7025,6 +6995,36 @@
           </a:p>
         </p:txBody>
       </p:sp>
+      <p:pic>
+        <p:nvPicPr>
+          <p:cNvPr id="2" name="Picture 1">
+            <a:extLst>
+              <a:ext uri="{FF2B5EF4-FFF2-40B4-BE49-F238E27FC236}">
+                <a16:creationId xmlns:a16="http://schemas.microsoft.com/office/drawing/2014/main" id="{8E8606DA-FC4C-5FAF-7110-95A38576BC5B}"/>
+              </a:ext>
+            </a:extLst>
+          </p:cNvPr>
+          <p:cNvPicPr>
+            <a:picLocks noChangeAspect="1"/>
+          </p:cNvPicPr>
+          <p:nvPr userDrawn="1"/>
+        </p:nvPicPr>
+        <p:blipFill>
+          <a:blip r:embed="rId2"/>
+          <a:stretch>
+            <a:fillRect/>
+          </a:stretch>
+        </p:blipFill>
+        <p:spPr>
+          <a:xfrm>
+            <a:off x="10438868" y="275190"/>
+            <a:ext cx="1079365" cy="380952"/>
+          </a:xfrm>
+          <a:prstGeom prst="rect">
+            <a:avLst/>
+          </a:prstGeom>
+        </p:spPr>
+      </p:pic>
     </p:spTree>
     <p:extLst>
       <p:ext uri="{BB962C8B-B14F-4D97-AF65-F5344CB8AC3E}">
@@ -7162,36 +7162,6 @@
           </a:p>
         </p:txBody>
       </p:sp>
-      <p:pic>
-        <p:nvPicPr>
-          <p:cNvPr id="28" name="Picture 27"/>
-          <p:cNvPicPr>
-            <a:picLocks noChangeAspect="1"/>
-          </p:cNvPicPr>
-          <p:nvPr userDrawn="1"/>
-        </p:nvPicPr>
-        <p:blipFill>
-          <a:blip r:embed="rId2">
-            <a:extLst>
-              <a:ext uri="{28A0092B-C50C-407E-A947-70E740481C1C}">
-                <a14:useLocalDpi xmlns:a14="http://schemas.microsoft.com/office/drawing/2010/main" val="0"/>
-              </a:ext>
-            </a:extLst>
-          </a:blip>
-          <a:stretch>
-            <a:fillRect/>
-          </a:stretch>
-        </p:blipFill>
-        <p:spPr>
-          <a:xfrm>
-            <a:off x="9578792" y="333532"/>
-            <a:ext cx="2003608" cy="247337"/>
-          </a:xfrm>
-          <a:prstGeom prst="rect">
-            <a:avLst/>
-          </a:prstGeom>
-        </p:spPr>
-      </p:pic>
       <p:sp>
         <p:nvSpPr>
           <p:cNvPr id="11" name="TextBox 10"/>
@@ -7417,6 +7387,36 @@
           </a:p>
         </p:txBody>
       </p:sp>
+      <p:pic>
+        <p:nvPicPr>
+          <p:cNvPr id="2" name="Picture 1">
+            <a:extLst>
+              <a:ext uri="{FF2B5EF4-FFF2-40B4-BE49-F238E27FC236}">
+                <a16:creationId xmlns:a16="http://schemas.microsoft.com/office/drawing/2014/main" id="{46E1D01E-0A00-36E1-511B-26973D3456F3}"/>
+              </a:ext>
+            </a:extLst>
+          </p:cNvPr>
+          <p:cNvPicPr>
+            <a:picLocks noChangeAspect="1"/>
+          </p:cNvPicPr>
+          <p:nvPr userDrawn="1"/>
+        </p:nvPicPr>
+        <p:blipFill>
+          <a:blip r:embed="rId2"/>
+          <a:stretch>
+            <a:fillRect/>
+          </a:stretch>
+        </p:blipFill>
+        <p:spPr>
+          <a:xfrm>
+            <a:off x="10438868" y="275190"/>
+            <a:ext cx="1079365" cy="380952"/>
+          </a:xfrm>
+          <a:prstGeom prst="rect">
+            <a:avLst/>
+          </a:prstGeom>
+        </p:spPr>
+      </p:pic>
     </p:spTree>
     <p:extLst>
       <p:ext uri="{BB962C8B-B14F-4D97-AF65-F5344CB8AC3E}">
@@ -7554,36 +7554,6 @@
           </a:p>
         </p:txBody>
       </p:sp>
-      <p:pic>
-        <p:nvPicPr>
-          <p:cNvPr id="25" name="Picture 24"/>
-          <p:cNvPicPr>
-            <a:picLocks noChangeAspect="1"/>
-          </p:cNvPicPr>
-          <p:nvPr userDrawn="1"/>
-        </p:nvPicPr>
-        <p:blipFill>
-          <a:blip r:embed="rId2">
-            <a:extLst>
-              <a:ext uri="{28A0092B-C50C-407E-A947-70E740481C1C}">
-                <a14:useLocalDpi xmlns:a14="http://schemas.microsoft.com/office/drawing/2010/main" val="0"/>
-              </a:ext>
-            </a:extLst>
-          </a:blip>
-          <a:stretch>
-            <a:fillRect/>
-          </a:stretch>
-        </p:blipFill>
-        <p:spPr>
-          <a:xfrm>
-            <a:off x="9578792" y="333532"/>
-            <a:ext cx="2003608" cy="247337"/>
-          </a:xfrm>
-          <a:prstGeom prst="rect">
-            <a:avLst/>
-          </a:prstGeom>
-        </p:spPr>
-      </p:pic>
       <p:sp>
         <p:nvSpPr>
           <p:cNvPr id="11" name="TextBox 10"/>
@@ -7803,6 +7773,36 @@
           </a:p>
         </p:txBody>
       </p:sp>
+      <p:pic>
+        <p:nvPicPr>
+          <p:cNvPr id="2" name="Picture 1">
+            <a:extLst>
+              <a:ext uri="{FF2B5EF4-FFF2-40B4-BE49-F238E27FC236}">
+                <a16:creationId xmlns:a16="http://schemas.microsoft.com/office/drawing/2014/main" id="{B62265D0-16B7-8E05-A406-50DCA80E5441}"/>
+              </a:ext>
+            </a:extLst>
+          </p:cNvPr>
+          <p:cNvPicPr>
+            <a:picLocks noChangeAspect="1"/>
+          </p:cNvPicPr>
+          <p:nvPr userDrawn="1"/>
+        </p:nvPicPr>
+        <p:blipFill>
+          <a:blip r:embed="rId2"/>
+          <a:stretch>
+            <a:fillRect/>
+          </a:stretch>
+        </p:blipFill>
+        <p:spPr>
+          <a:xfrm>
+            <a:off x="10438868" y="275190"/>
+            <a:ext cx="1079365" cy="380952"/>
+          </a:xfrm>
+          <a:prstGeom prst="rect">
+            <a:avLst/>
+          </a:prstGeom>
+        </p:spPr>
+      </p:pic>
     </p:spTree>
     <p:extLst>
       <p:ext uri="{BB962C8B-B14F-4D97-AF65-F5344CB8AC3E}">
@@ -7940,36 +7940,6 @@
           </a:p>
         </p:txBody>
       </p:sp>
-      <p:pic>
-        <p:nvPicPr>
-          <p:cNvPr id="26" name="Picture 25"/>
-          <p:cNvPicPr>
-            <a:picLocks noChangeAspect="1"/>
-          </p:cNvPicPr>
-          <p:nvPr userDrawn="1"/>
-        </p:nvPicPr>
-        <p:blipFill>
-          <a:blip r:embed="rId2">
-            <a:extLst>
-              <a:ext uri="{28A0092B-C50C-407E-A947-70E740481C1C}">
-                <a14:useLocalDpi xmlns:a14="http://schemas.microsoft.com/office/drawing/2010/main" val="0"/>
-              </a:ext>
-            </a:extLst>
-          </a:blip>
-          <a:stretch>
-            <a:fillRect/>
-          </a:stretch>
-        </p:blipFill>
-        <p:spPr>
-          <a:xfrm>
-            <a:off x="9578792" y="333532"/>
-            <a:ext cx="2003608" cy="247337"/>
-          </a:xfrm>
-          <a:prstGeom prst="rect">
-            <a:avLst/>
-          </a:prstGeom>
-        </p:spPr>
-      </p:pic>
       <p:sp>
         <p:nvSpPr>
           <p:cNvPr id="11" name="TextBox 10"/>
@@ -8189,6 +8159,36 @@
           </a:p>
         </p:txBody>
       </p:sp>
+      <p:pic>
+        <p:nvPicPr>
+          <p:cNvPr id="3" name="Picture 2">
+            <a:extLst>
+              <a:ext uri="{FF2B5EF4-FFF2-40B4-BE49-F238E27FC236}">
+                <a16:creationId xmlns:a16="http://schemas.microsoft.com/office/drawing/2014/main" id="{219BFC73-5C6D-BAD4-DF29-8C18FB9B48C9}"/>
+              </a:ext>
+            </a:extLst>
+          </p:cNvPr>
+          <p:cNvPicPr>
+            <a:picLocks noChangeAspect="1"/>
+          </p:cNvPicPr>
+          <p:nvPr userDrawn="1"/>
+        </p:nvPicPr>
+        <p:blipFill>
+          <a:blip r:embed="rId2"/>
+          <a:stretch>
+            <a:fillRect/>
+          </a:stretch>
+        </p:blipFill>
+        <p:spPr>
+          <a:xfrm>
+            <a:off x="10438868" y="275190"/>
+            <a:ext cx="1079365" cy="380952"/>
+          </a:xfrm>
+          <a:prstGeom prst="rect">
+            <a:avLst/>
+          </a:prstGeom>
+        </p:spPr>
+      </p:pic>
     </p:spTree>
     <p:extLst>
       <p:ext uri="{BB962C8B-B14F-4D97-AF65-F5344CB8AC3E}">
@@ -8455,7 +8455,7 @@
           <a:p>
             <a:fld id="{B590C078-9131-4E49-8A0D-400FEE8377B5}" type="datetimeFigureOut">
               <a:rPr lang="en-US" smtClean="0"/>
-              <a:t>10/26/2021</a:t>
+              <a:t>2/20/2025</a:t>
             </a:fld>
             <a:endParaRPr lang="en-US"/>
           </a:p>
@@ -12280,7 +12280,7 @@
           <a:p>
             <a:fld id="{B590C078-9131-4E49-8A0D-400FEE8377B5}" type="datetimeFigureOut">
               <a:rPr lang="en-US" smtClean="0"/>
-              <a:t>10/26/2021</a:t>
+              <a:t>2/20/2025</a:t>
             </a:fld>
             <a:endParaRPr lang="en-US"/>
           </a:p>
